--- a/Slides/Sports Analytics 4/Sports_Analytics_4_Lecture.pptx
+++ b/Slides/Sports Analytics 4/Sports_Analytics_4_Lecture.pptx
@@ -213,7 +213,7 @@
           <a:p>
             <a:fld id="{C04E5E84-956F-4423-97B3-5936A6D8EEEE}" type="datetimeFigureOut">
               <a:rPr lang="en-US" smtClean="0"/>
-              <a:t>8/30/2019</a:t>
+              <a:t>1/26/2021</a:t>
             </a:fld>
             <a:endParaRPr lang="en-US"/>
           </a:p>
@@ -1047,7 +1047,7 @@
           <a:p>
             <a:fld id="{3881C039-66A3-4640-815B-3B5A8B7D868D}" type="datetimeFigureOut">
               <a:rPr lang="en-US" smtClean="0"/>
-              <a:t>8/30/2019</a:t>
+              <a:t>1/26/2021</a:t>
             </a:fld>
             <a:endParaRPr lang="en-US"/>
           </a:p>
@@ -1245,7 +1245,7 @@
           <a:p>
             <a:fld id="{3881C039-66A3-4640-815B-3B5A8B7D868D}" type="datetimeFigureOut">
               <a:rPr lang="en-US" smtClean="0"/>
-              <a:t>8/30/2019</a:t>
+              <a:t>1/26/2021</a:t>
             </a:fld>
             <a:endParaRPr lang="en-US"/>
           </a:p>
@@ -1453,7 +1453,7 @@
           <a:p>
             <a:fld id="{3881C039-66A3-4640-815B-3B5A8B7D868D}" type="datetimeFigureOut">
               <a:rPr lang="en-US" smtClean="0"/>
-              <a:t>8/30/2019</a:t>
+              <a:t>1/26/2021</a:t>
             </a:fld>
             <a:endParaRPr lang="en-US"/>
           </a:p>
@@ -1651,7 +1651,7 @@
           <a:p>
             <a:fld id="{3881C039-66A3-4640-815B-3B5A8B7D868D}" type="datetimeFigureOut">
               <a:rPr lang="en-US" smtClean="0"/>
-              <a:t>8/30/2019</a:t>
+              <a:t>1/26/2021</a:t>
             </a:fld>
             <a:endParaRPr lang="en-US"/>
           </a:p>
@@ -1926,7 +1926,7 @@
           <a:p>
             <a:fld id="{3881C039-66A3-4640-815B-3B5A8B7D868D}" type="datetimeFigureOut">
               <a:rPr lang="en-US" smtClean="0"/>
-              <a:t>8/30/2019</a:t>
+              <a:t>1/26/2021</a:t>
             </a:fld>
             <a:endParaRPr lang="en-US"/>
           </a:p>
@@ -2191,7 +2191,7 @@
           <a:p>
             <a:fld id="{3881C039-66A3-4640-815B-3B5A8B7D868D}" type="datetimeFigureOut">
               <a:rPr lang="en-US" smtClean="0"/>
-              <a:t>8/30/2019</a:t>
+              <a:t>1/26/2021</a:t>
             </a:fld>
             <a:endParaRPr lang="en-US"/>
           </a:p>
@@ -2603,7 +2603,7 @@
           <a:p>
             <a:fld id="{3881C039-66A3-4640-815B-3B5A8B7D868D}" type="datetimeFigureOut">
               <a:rPr lang="en-US" smtClean="0"/>
-              <a:t>8/30/2019</a:t>
+              <a:t>1/26/2021</a:t>
             </a:fld>
             <a:endParaRPr lang="en-US"/>
           </a:p>
@@ -2744,7 +2744,7 @@
           <a:p>
             <a:fld id="{3881C039-66A3-4640-815B-3B5A8B7D868D}" type="datetimeFigureOut">
               <a:rPr lang="en-US" smtClean="0"/>
-              <a:t>8/30/2019</a:t>
+              <a:t>1/26/2021</a:t>
             </a:fld>
             <a:endParaRPr lang="en-US"/>
           </a:p>
@@ -2857,7 +2857,7 @@
           <a:p>
             <a:fld id="{3881C039-66A3-4640-815B-3B5A8B7D868D}" type="datetimeFigureOut">
               <a:rPr lang="en-US" smtClean="0"/>
-              <a:t>8/30/2019</a:t>
+              <a:t>1/26/2021</a:t>
             </a:fld>
             <a:endParaRPr lang="en-US"/>
           </a:p>
@@ -3168,7 +3168,7 @@
           <a:p>
             <a:fld id="{3881C039-66A3-4640-815B-3B5A8B7D868D}" type="datetimeFigureOut">
               <a:rPr lang="en-US" smtClean="0"/>
-              <a:t>8/30/2019</a:t>
+              <a:t>1/26/2021</a:t>
             </a:fld>
             <a:endParaRPr lang="en-US"/>
           </a:p>
@@ -3456,7 +3456,7 @@
           <a:p>
             <a:fld id="{3881C039-66A3-4640-815B-3B5A8B7D868D}" type="datetimeFigureOut">
               <a:rPr lang="en-US" smtClean="0"/>
-              <a:t>8/30/2019</a:t>
+              <a:t>1/26/2021</a:t>
             </a:fld>
             <a:endParaRPr lang="en-US"/>
           </a:p>
@@ -3700,7 +3700,7 @@
           <a:p>
             <a:fld id="{3881C039-66A3-4640-815B-3B5A8B7D868D}" type="datetimeFigureOut">
               <a:rPr lang="en-US" smtClean="0"/>
-              <a:t>8/30/2019</a:t>
+              <a:t>1/26/2021</a:t>
             </a:fld>
             <a:endParaRPr lang="en-US"/>
           </a:p>
@@ -4205,7 +4205,7 @@
               <a:rPr lang="en-US" sz="2000" dirty="0">
                 <a:latin typeface="Selawik Semibold" panose="020B0702040204020203" pitchFamily="34" charset="0"/>
               </a:rPr>
-              <a:t>UNC STOR 390</a:t>
+              <a:t>UNC STOR 538</a:t>
             </a:r>
           </a:p>
         </p:txBody>

--- a/Slides/Sports Analytics 4/Sports_Analytics_4_Lecture.pptx
+++ b/Slides/Sports Analytics 4/Sports_Analytics_4_Lecture.pptx
@@ -213,7 +213,7 @@
           <a:p>
             <a:fld id="{C04E5E84-956F-4423-97B3-5936A6D8EEEE}" type="datetimeFigureOut">
               <a:rPr lang="en-US" smtClean="0"/>
-              <a:t>1/26/2021</a:t>
+              <a:t>1/15/2024</a:t>
             </a:fld>
             <a:endParaRPr lang="en-US"/>
           </a:p>
@@ -1047,7 +1047,7 @@
           <a:p>
             <a:fld id="{3881C039-66A3-4640-815B-3B5A8B7D868D}" type="datetimeFigureOut">
               <a:rPr lang="en-US" smtClean="0"/>
-              <a:t>1/26/2021</a:t>
+              <a:t>1/15/2024</a:t>
             </a:fld>
             <a:endParaRPr lang="en-US"/>
           </a:p>
@@ -1245,7 +1245,7 @@
           <a:p>
             <a:fld id="{3881C039-66A3-4640-815B-3B5A8B7D868D}" type="datetimeFigureOut">
               <a:rPr lang="en-US" smtClean="0"/>
-              <a:t>1/26/2021</a:t>
+              <a:t>1/15/2024</a:t>
             </a:fld>
             <a:endParaRPr lang="en-US"/>
           </a:p>
@@ -1453,7 +1453,7 @@
           <a:p>
             <a:fld id="{3881C039-66A3-4640-815B-3B5A8B7D868D}" type="datetimeFigureOut">
               <a:rPr lang="en-US" smtClean="0"/>
-              <a:t>1/26/2021</a:t>
+              <a:t>1/15/2024</a:t>
             </a:fld>
             <a:endParaRPr lang="en-US"/>
           </a:p>
@@ -1651,7 +1651,7 @@
           <a:p>
             <a:fld id="{3881C039-66A3-4640-815B-3B5A8B7D868D}" type="datetimeFigureOut">
               <a:rPr lang="en-US" smtClean="0"/>
-              <a:t>1/26/2021</a:t>
+              <a:t>1/15/2024</a:t>
             </a:fld>
             <a:endParaRPr lang="en-US"/>
           </a:p>
@@ -1926,7 +1926,7 @@
           <a:p>
             <a:fld id="{3881C039-66A3-4640-815B-3B5A8B7D868D}" type="datetimeFigureOut">
               <a:rPr lang="en-US" smtClean="0"/>
-              <a:t>1/26/2021</a:t>
+              <a:t>1/15/2024</a:t>
             </a:fld>
             <a:endParaRPr lang="en-US"/>
           </a:p>
@@ -2191,7 +2191,7 @@
           <a:p>
             <a:fld id="{3881C039-66A3-4640-815B-3B5A8B7D868D}" type="datetimeFigureOut">
               <a:rPr lang="en-US" smtClean="0"/>
-              <a:t>1/26/2021</a:t>
+              <a:t>1/15/2024</a:t>
             </a:fld>
             <a:endParaRPr lang="en-US"/>
           </a:p>
@@ -2603,7 +2603,7 @@
           <a:p>
             <a:fld id="{3881C039-66A3-4640-815B-3B5A8B7D868D}" type="datetimeFigureOut">
               <a:rPr lang="en-US" smtClean="0"/>
-              <a:t>1/26/2021</a:t>
+              <a:t>1/15/2024</a:t>
             </a:fld>
             <a:endParaRPr lang="en-US"/>
           </a:p>
@@ -2744,7 +2744,7 @@
           <a:p>
             <a:fld id="{3881C039-66A3-4640-815B-3B5A8B7D868D}" type="datetimeFigureOut">
               <a:rPr lang="en-US" smtClean="0"/>
-              <a:t>1/26/2021</a:t>
+              <a:t>1/15/2024</a:t>
             </a:fld>
             <a:endParaRPr lang="en-US"/>
           </a:p>
@@ -2857,7 +2857,7 @@
           <a:p>
             <a:fld id="{3881C039-66A3-4640-815B-3B5A8B7D868D}" type="datetimeFigureOut">
               <a:rPr lang="en-US" smtClean="0"/>
-              <a:t>1/26/2021</a:t>
+              <a:t>1/15/2024</a:t>
             </a:fld>
             <a:endParaRPr lang="en-US"/>
           </a:p>
@@ -3168,7 +3168,7 @@
           <a:p>
             <a:fld id="{3881C039-66A3-4640-815B-3B5A8B7D868D}" type="datetimeFigureOut">
               <a:rPr lang="en-US" smtClean="0"/>
-              <a:t>1/26/2021</a:t>
+              <a:t>1/15/2024</a:t>
             </a:fld>
             <a:endParaRPr lang="en-US"/>
           </a:p>
@@ -3456,7 +3456,7 @@
           <a:p>
             <a:fld id="{3881C039-66A3-4640-815B-3B5A8B7D868D}" type="datetimeFigureOut">
               <a:rPr lang="en-US" smtClean="0"/>
-              <a:t>1/26/2021</a:t>
+              <a:t>1/15/2024</a:t>
             </a:fld>
             <a:endParaRPr lang="en-US"/>
           </a:p>
@@ -3700,7 +3700,7 @@
           <a:p>
             <a:fld id="{3881C039-66A3-4640-815B-3B5A8B7D868D}" type="datetimeFigureOut">
               <a:rPr lang="en-US" smtClean="0"/>
-              <a:t>1/26/2021</a:t>
+              <a:t>1/15/2024</a:t>
             </a:fld>
             <a:endParaRPr lang="en-US"/>
           </a:p>

--- a/Slides/Sports Analytics 4/Sports_Analytics_4_Lecture.pptx
+++ b/Slides/Sports Analytics 4/Sports_Analytics_4_Lecture.pptx
@@ -213,7 +213,7 @@
           <a:p>
             <a:fld id="{C04E5E84-956F-4423-97B3-5936A6D8EEEE}" type="datetimeFigureOut">
               <a:rPr lang="en-US" smtClean="0"/>
-              <a:t>1/15/2024</a:t>
+              <a:t>1/29/2025</a:t>
             </a:fld>
             <a:endParaRPr lang="en-US"/>
           </a:p>
@@ -1047,7 +1047,7 @@
           <a:p>
             <a:fld id="{3881C039-66A3-4640-815B-3B5A8B7D868D}" type="datetimeFigureOut">
               <a:rPr lang="en-US" smtClean="0"/>
-              <a:t>1/15/2024</a:t>
+              <a:t>1/29/2025</a:t>
             </a:fld>
             <a:endParaRPr lang="en-US"/>
           </a:p>
@@ -1245,7 +1245,7 @@
           <a:p>
             <a:fld id="{3881C039-66A3-4640-815B-3B5A8B7D868D}" type="datetimeFigureOut">
               <a:rPr lang="en-US" smtClean="0"/>
-              <a:t>1/15/2024</a:t>
+              <a:t>1/29/2025</a:t>
             </a:fld>
             <a:endParaRPr lang="en-US"/>
           </a:p>
@@ -1453,7 +1453,7 @@
           <a:p>
             <a:fld id="{3881C039-66A3-4640-815B-3B5A8B7D868D}" type="datetimeFigureOut">
               <a:rPr lang="en-US" smtClean="0"/>
-              <a:t>1/15/2024</a:t>
+              <a:t>1/29/2025</a:t>
             </a:fld>
             <a:endParaRPr lang="en-US"/>
           </a:p>
@@ -1651,7 +1651,7 @@
           <a:p>
             <a:fld id="{3881C039-66A3-4640-815B-3B5A8B7D868D}" type="datetimeFigureOut">
               <a:rPr lang="en-US" smtClean="0"/>
-              <a:t>1/15/2024</a:t>
+              <a:t>1/29/2025</a:t>
             </a:fld>
             <a:endParaRPr lang="en-US"/>
           </a:p>
@@ -1926,7 +1926,7 @@
           <a:p>
             <a:fld id="{3881C039-66A3-4640-815B-3B5A8B7D868D}" type="datetimeFigureOut">
               <a:rPr lang="en-US" smtClean="0"/>
-              <a:t>1/15/2024</a:t>
+              <a:t>1/29/2025</a:t>
             </a:fld>
             <a:endParaRPr lang="en-US"/>
           </a:p>
@@ -2191,7 +2191,7 @@
           <a:p>
             <a:fld id="{3881C039-66A3-4640-815B-3B5A8B7D868D}" type="datetimeFigureOut">
               <a:rPr lang="en-US" smtClean="0"/>
-              <a:t>1/15/2024</a:t>
+              <a:t>1/29/2025</a:t>
             </a:fld>
             <a:endParaRPr lang="en-US"/>
           </a:p>
@@ -2603,7 +2603,7 @@
           <a:p>
             <a:fld id="{3881C039-66A3-4640-815B-3B5A8B7D868D}" type="datetimeFigureOut">
               <a:rPr lang="en-US" smtClean="0"/>
-              <a:t>1/15/2024</a:t>
+              <a:t>1/29/2025</a:t>
             </a:fld>
             <a:endParaRPr lang="en-US"/>
           </a:p>
@@ -2744,7 +2744,7 @@
           <a:p>
             <a:fld id="{3881C039-66A3-4640-815B-3B5A8B7D868D}" type="datetimeFigureOut">
               <a:rPr lang="en-US" smtClean="0"/>
-              <a:t>1/15/2024</a:t>
+              <a:t>1/29/2025</a:t>
             </a:fld>
             <a:endParaRPr lang="en-US"/>
           </a:p>
@@ -2857,7 +2857,7 @@
           <a:p>
             <a:fld id="{3881C039-66A3-4640-815B-3B5A8B7D868D}" type="datetimeFigureOut">
               <a:rPr lang="en-US" smtClean="0"/>
-              <a:t>1/15/2024</a:t>
+              <a:t>1/29/2025</a:t>
             </a:fld>
             <a:endParaRPr lang="en-US"/>
           </a:p>
@@ -3168,7 +3168,7 @@
           <a:p>
             <a:fld id="{3881C039-66A3-4640-815B-3B5A8B7D868D}" type="datetimeFigureOut">
               <a:rPr lang="en-US" smtClean="0"/>
-              <a:t>1/15/2024</a:t>
+              <a:t>1/29/2025</a:t>
             </a:fld>
             <a:endParaRPr lang="en-US"/>
           </a:p>
@@ -3456,7 +3456,7 @@
           <a:p>
             <a:fld id="{3881C039-66A3-4640-815B-3B5A8B7D868D}" type="datetimeFigureOut">
               <a:rPr lang="en-US" smtClean="0"/>
-              <a:t>1/15/2024</a:t>
+              <a:t>1/29/2025</a:t>
             </a:fld>
             <a:endParaRPr lang="en-US"/>
           </a:p>
@@ -3700,7 +3700,7 @@
           <a:p>
             <a:fld id="{3881C039-66A3-4640-815B-3B5A8B7D868D}" type="datetimeFigureOut">
               <a:rPr lang="en-US" smtClean="0"/>
-              <a:t>1/15/2024</a:t>
+              <a:t>1/29/2025</a:t>
             </a:fld>
             <a:endParaRPr lang="en-US"/>
           </a:p>
@@ -9593,46 +9593,52 @@
               <a:rPr lang="en-US" sz="1800" dirty="0">
                 <a:latin typeface="Selawik Semibold" panose="020B0702040204020203" pitchFamily="34" charset="0"/>
               </a:rPr>
-              <a:t>Founded by Ben </a:t>
+              <a:t>Founded by Ben Alamar in 2005</a:t>
+            </a:r>
+          </a:p>
+          <a:p>
+            <a:pPr lvl="2"/>
+            <a:r>
+              <a:rPr lang="en-US" sz="1800" dirty="0">
+                <a:latin typeface="Selawik Semibold" panose="020B0702040204020203" pitchFamily="34" charset="0"/>
+              </a:rPr>
+              <a:t>Acquired by American </a:t>
+            </a:r>
+            <a:r>
+              <a:rPr lang="en-US" sz="1800">
+                <a:latin typeface="Selawik Semibold" panose="020B0702040204020203" pitchFamily="34" charset="0"/>
+              </a:rPr>
+              <a:t>Statistical Association in 2011</a:t>
+            </a:r>
+            <a:endParaRPr lang="en-US" sz="1800" dirty="0">
+              <a:latin typeface="Selawik Semibold" panose="020B0702040204020203" pitchFamily="34" charset="0"/>
+            </a:endParaRPr>
+          </a:p>
+          <a:p>
+            <a:pPr lvl="2"/>
+            <a:r>
+              <a:rPr lang="en-US" sz="1800" dirty="0">
+                <a:latin typeface="Selawik Semibold" panose="020B0702040204020203" pitchFamily="34" charset="0"/>
+              </a:rPr>
+              <a:t>Editor-in-Chief: Gil </a:t>
             </a:r>
             <a:r>
               <a:rPr lang="en-US" sz="1800" dirty="0" err="1">
                 <a:latin typeface="Selawik Semibold" panose="020B0702040204020203" pitchFamily="34" charset="0"/>
               </a:rPr>
-              <a:t>Alamar</a:t>
-            </a:r>
+              <a:t>Fellingham</a:t>
+            </a:r>
+            <a:endParaRPr lang="en-US" sz="1800" dirty="0">
+              <a:latin typeface="Selawik Semibold" panose="020B0702040204020203" pitchFamily="34" charset="0"/>
+            </a:endParaRPr>
+          </a:p>
+          <a:p>
+            <a:pPr lvl="2"/>
             <a:r>
               <a:rPr lang="en-US" sz="1800" dirty="0">
                 <a:latin typeface="Selawik Semibold" panose="020B0702040204020203" pitchFamily="34" charset="0"/>
               </a:rPr>
-              <a:t> (2011-2014)</a:t>
-            </a:r>
-          </a:p>
-          <a:p>
-            <a:pPr lvl="2"/>
-            <a:r>
-              <a:rPr lang="en-US" sz="1800" dirty="0">
-                <a:latin typeface="Selawik Semibold" panose="020B0702040204020203" pitchFamily="34" charset="0"/>
-              </a:rPr>
-              <a:t>Acquired by American Statistical Association</a:t>
-            </a:r>
-          </a:p>
-          <a:p>
-            <a:pPr lvl="2"/>
-            <a:r>
-              <a:rPr lang="en-US" sz="1800" dirty="0">
-                <a:latin typeface="Selawik Semibold" panose="020B0702040204020203" pitchFamily="34" charset="0"/>
-              </a:rPr>
-              <a:t>Editor: Jim Albert</a:t>
-            </a:r>
-          </a:p>
-          <a:p>
-            <a:pPr lvl="2"/>
-            <a:r>
-              <a:rPr lang="en-US" sz="1800" dirty="0">
-                <a:latin typeface="Selawik Semibold" panose="020B0702040204020203" pitchFamily="34" charset="0"/>
-              </a:rPr>
-              <a:t>Acceptance Rate of 10%</a:t>
+              <a:t>Acceptance Rate of 10.8% (Glickman 2017)</a:t>
             </a:r>
           </a:p>
           <a:p>

--- a/Slides/Sports Analytics 4/Sports_Analytics_4_Lecture.pptx
+++ b/Slides/Sports Analytics 4/Sports_Analytics_4_Lecture.pptx
@@ -213,7 +213,7 @@
           <a:p>
             <a:fld id="{C04E5E84-956F-4423-97B3-5936A6D8EEEE}" type="datetimeFigureOut">
               <a:rPr lang="en-US" smtClean="0"/>
-              <a:t>1/29/2025</a:t>
+              <a:t>8/28/2025</a:t>
             </a:fld>
             <a:endParaRPr lang="en-US"/>
           </a:p>
@@ -1047,7 +1047,7 @@
           <a:p>
             <a:fld id="{3881C039-66A3-4640-815B-3B5A8B7D868D}" type="datetimeFigureOut">
               <a:rPr lang="en-US" smtClean="0"/>
-              <a:t>1/29/2025</a:t>
+              <a:t>8/28/2025</a:t>
             </a:fld>
             <a:endParaRPr lang="en-US"/>
           </a:p>
@@ -1245,7 +1245,7 @@
           <a:p>
             <a:fld id="{3881C039-66A3-4640-815B-3B5A8B7D868D}" type="datetimeFigureOut">
               <a:rPr lang="en-US" smtClean="0"/>
-              <a:t>1/29/2025</a:t>
+              <a:t>8/28/2025</a:t>
             </a:fld>
             <a:endParaRPr lang="en-US"/>
           </a:p>
@@ -1453,7 +1453,7 @@
           <a:p>
             <a:fld id="{3881C039-66A3-4640-815B-3B5A8B7D868D}" type="datetimeFigureOut">
               <a:rPr lang="en-US" smtClean="0"/>
-              <a:t>1/29/2025</a:t>
+              <a:t>8/28/2025</a:t>
             </a:fld>
             <a:endParaRPr lang="en-US"/>
           </a:p>
@@ -1651,7 +1651,7 @@
           <a:p>
             <a:fld id="{3881C039-66A3-4640-815B-3B5A8B7D868D}" type="datetimeFigureOut">
               <a:rPr lang="en-US" smtClean="0"/>
-              <a:t>1/29/2025</a:t>
+              <a:t>8/28/2025</a:t>
             </a:fld>
             <a:endParaRPr lang="en-US"/>
           </a:p>
@@ -1926,7 +1926,7 @@
           <a:p>
             <a:fld id="{3881C039-66A3-4640-815B-3B5A8B7D868D}" type="datetimeFigureOut">
               <a:rPr lang="en-US" smtClean="0"/>
-              <a:t>1/29/2025</a:t>
+              <a:t>8/28/2025</a:t>
             </a:fld>
             <a:endParaRPr lang="en-US"/>
           </a:p>
@@ -2191,7 +2191,7 @@
           <a:p>
             <a:fld id="{3881C039-66A3-4640-815B-3B5A8B7D868D}" type="datetimeFigureOut">
               <a:rPr lang="en-US" smtClean="0"/>
-              <a:t>1/29/2025</a:t>
+              <a:t>8/28/2025</a:t>
             </a:fld>
             <a:endParaRPr lang="en-US"/>
           </a:p>
@@ -2603,7 +2603,7 @@
           <a:p>
             <a:fld id="{3881C039-66A3-4640-815B-3B5A8B7D868D}" type="datetimeFigureOut">
               <a:rPr lang="en-US" smtClean="0"/>
-              <a:t>1/29/2025</a:t>
+              <a:t>8/28/2025</a:t>
             </a:fld>
             <a:endParaRPr lang="en-US"/>
           </a:p>
@@ -2744,7 +2744,7 @@
           <a:p>
             <a:fld id="{3881C039-66A3-4640-815B-3B5A8B7D868D}" type="datetimeFigureOut">
               <a:rPr lang="en-US" smtClean="0"/>
-              <a:t>1/29/2025</a:t>
+              <a:t>8/28/2025</a:t>
             </a:fld>
             <a:endParaRPr lang="en-US"/>
           </a:p>
@@ -2857,7 +2857,7 @@
           <a:p>
             <a:fld id="{3881C039-66A3-4640-815B-3B5A8B7D868D}" type="datetimeFigureOut">
               <a:rPr lang="en-US" smtClean="0"/>
-              <a:t>1/29/2025</a:t>
+              <a:t>8/28/2025</a:t>
             </a:fld>
             <a:endParaRPr lang="en-US"/>
           </a:p>
@@ -3168,7 +3168,7 @@
           <a:p>
             <a:fld id="{3881C039-66A3-4640-815B-3B5A8B7D868D}" type="datetimeFigureOut">
               <a:rPr lang="en-US" smtClean="0"/>
-              <a:t>1/29/2025</a:t>
+              <a:t>8/28/2025</a:t>
             </a:fld>
             <a:endParaRPr lang="en-US"/>
           </a:p>
@@ -3456,7 +3456,7 @@
           <a:p>
             <a:fld id="{3881C039-66A3-4640-815B-3B5A8B7D868D}" type="datetimeFigureOut">
               <a:rPr lang="en-US" smtClean="0"/>
-              <a:t>1/29/2025</a:t>
+              <a:t>8/28/2025</a:t>
             </a:fld>
             <a:endParaRPr lang="en-US"/>
           </a:p>
@@ -3700,7 +3700,7 @@
           <a:p>
             <a:fld id="{3881C039-66A3-4640-815B-3B5A8B7D868D}" type="datetimeFigureOut">
               <a:rPr lang="en-US" smtClean="0"/>
-              <a:t>1/29/2025</a:t>
+              <a:t>8/28/2025</a:t>
             </a:fld>
             <a:endParaRPr lang="en-US"/>
           </a:p>
@@ -5145,6 +5145,20 @@
             <a:endParaRPr lang="en-US" sz="1800" dirty="0">
               <a:latin typeface="Selawik Semibold" panose="020B0702040204020203" pitchFamily="34" charset="0"/>
             </a:endParaRPr>
+          </a:p>
+          <a:p>
+            <a:pPr lvl="2"/>
+            <a:endParaRPr lang="en-US" sz="1800" dirty="0">
+              <a:latin typeface="Selawik Semibold" panose="020B0702040204020203" pitchFamily="34" charset="0"/>
+            </a:endParaRPr>
+          </a:p>
+          <a:p>
+            <a:r>
+              <a:rPr lang="en-US" sz="2600" dirty="0">
+                <a:latin typeface="Selawik Semibold" panose="020B0702040204020203" pitchFamily="34" charset="0"/>
+              </a:rPr>
+              <a:t>Score Network</a:t>
+            </a:r>
           </a:p>
         </p:txBody>
       </p:sp>
